--- a/gt_summary_slides_pp.pptx
+++ b/gt_summary_slides_pp.pptx
@@ -4174,17 +4174,6 @@
                 <a:latin typeface="Courier"/>
               </a:rPr>
               <a:t>()</a:t>
-            </a:r>
-            <a:br/>
-            <a:br/>
-            <a:r>
-              <a:rPr>
-                <a:solidFill>
-                  <a:srgbClr val="003B4F"/>
-                </a:solidFill>
-                <a:latin typeface="Courier"/>
-              </a:rPr>
-              <a:t>tbl_strata_response_by_grade</a:t>
             </a:r>
           </a:p>
         </p:txBody>
